--- a/ppt 16-9/1455.为JSCT完成.pptx
+++ b/ppt 16-9/1455.为JSCT完成.pptx
@@ -5,7 +5,7 @@
     <p:sldMasterId id="2147483648" r:id="rId1"/>
   </p:sldMasterIdLst>
   <p:sldIdLst>
-    <p:sldId id="1026" r:id="rId2"/>
+    <p:sldId id="1027" r:id="rId2"/>
   </p:sldIdLst>
   <p:sldSz cx="12192000" cy="6858000"/>
   <p:notesSz cx="6858000" cy="9144000"/>
@@ -129,7 +129,7 @@
           <p:cNvPr id="2" name="标题 1">
             <a:extLst>
               <a:ext uri="{FF2B5EF4-FFF2-40B4-BE49-F238E27FC236}">
-                <a16:creationId xmlns:a16="http://schemas.microsoft.com/office/drawing/2014/main" id="{33796A92-A405-94FF-9EAB-E4743011E13D}"/>
+                <a16:creationId xmlns:a16="http://schemas.microsoft.com/office/drawing/2014/main" id="{9FB5812A-C9EE-B84E-4F4F-01F13A06483F}"/>
               </a:ext>
             </a:extLst>
           </p:cNvPr>
@@ -166,7 +166,7 @@
           <p:cNvPr id="3" name="副标题 2">
             <a:extLst>
               <a:ext uri="{FF2B5EF4-FFF2-40B4-BE49-F238E27FC236}">
-                <a16:creationId xmlns:a16="http://schemas.microsoft.com/office/drawing/2014/main" id="{5F47E650-897A-FCE7-56E2-846E6632B3EF}"/>
+                <a16:creationId xmlns:a16="http://schemas.microsoft.com/office/drawing/2014/main" id="{7B55515F-7914-4105-835B-CA53B83E45F1}"/>
               </a:ext>
             </a:extLst>
           </p:cNvPr>
@@ -236,7 +236,7 @@
           <p:cNvPr id="4" name="日期占位符 3">
             <a:extLst>
               <a:ext uri="{FF2B5EF4-FFF2-40B4-BE49-F238E27FC236}">
-                <a16:creationId xmlns:a16="http://schemas.microsoft.com/office/drawing/2014/main" id="{2556D45F-D607-6BC5-EA17-FF2B3C0399A4}"/>
+                <a16:creationId xmlns:a16="http://schemas.microsoft.com/office/drawing/2014/main" id="{0D173159-77E0-3897-078A-43543FA99441}"/>
               </a:ext>
             </a:extLst>
           </p:cNvPr>
@@ -252,7 +252,7 @@
           <a:bodyPr/>
           <a:lstStyle/>
           <a:p>
-            <a:fld id="{F64EE766-A75C-4190-BAC6-119F0F971599}" type="datetimeFigureOut">
+            <a:fld id="{F6EED51B-AD9F-4F73-B9F2-E1ABF9661A00}" type="datetimeFigureOut">
               <a:rPr lang="zh-CN" altLang="en-US" smtClean="0"/>
               <a:t>2024/3/10</a:t>
             </a:fld>
@@ -265,7 +265,7 @@
           <p:cNvPr id="5" name="页脚占位符 4">
             <a:extLst>
               <a:ext uri="{FF2B5EF4-FFF2-40B4-BE49-F238E27FC236}">
-                <a16:creationId xmlns:a16="http://schemas.microsoft.com/office/drawing/2014/main" id="{3F2DB8E3-7A05-7932-FF7E-DD1C17E47EC5}"/>
+                <a16:creationId xmlns:a16="http://schemas.microsoft.com/office/drawing/2014/main" id="{8A6D1E64-52F8-691D-8B2D-DEE41B377210}"/>
               </a:ext>
             </a:extLst>
           </p:cNvPr>
@@ -290,7 +290,7 @@
           <p:cNvPr id="6" name="灯片编号占位符 5">
             <a:extLst>
               <a:ext uri="{FF2B5EF4-FFF2-40B4-BE49-F238E27FC236}">
-                <a16:creationId xmlns:a16="http://schemas.microsoft.com/office/drawing/2014/main" id="{5BBE1A29-D203-3F9C-FAFC-EE28FFFBA92F}"/>
+                <a16:creationId xmlns:a16="http://schemas.microsoft.com/office/drawing/2014/main" id="{C83D08D1-E0A6-3116-784F-E6525B46D625}"/>
               </a:ext>
             </a:extLst>
           </p:cNvPr>
@@ -306,7 +306,7 @@
           <a:bodyPr/>
           <a:lstStyle/>
           <a:p>
-            <a:fld id="{4361EE80-5816-4114-BA1D-FE7B93CFC46A}" type="slidenum">
+            <a:fld id="{F42298EC-D9C4-4AD5-B2F1-C4379D0BF28F}" type="slidenum">
               <a:rPr lang="zh-CN" altLang="en-US" smtClean="0"/>
               <a:t>‹#›</a:t>
             </a:fld>
@@ -317,7 +317,7 @@
     </p:spTree>
     <p:extLst>
       <p:ext uri="{BB962C8B-B14F-4D97-AF65-F5344CB8AC3E}">
-        <p14:creationId xmlns:p14="http://schemas.microsoft.com/office/powerpoint/2010/main" val="429641192"/>
+        <p14:creationId xmlns:p14="http://schemas.microsoft.com/office/powerpoint/2010/main" val="3073793201"/>
       </p:ext>
     </p:extLst>
   </p:cSld>
@@ -349,7 +349,7 @@
           <p:cNvPr id="2" name="标题 1">
             <a:extLst>
               <a:ext uri="{FF2B5EF4-FFF2-40B4-BE49-F238E27FC236}">
-                <a16:creationId xmlns:a16="http://schemas.microsoft.com/office/drawing/2014/main" id="{3FE02B35-46A8-207D-4671-31FF0B031284}"/>
+                <a16:creationId xmlns:a16="http://schemas.microsoft.com/office/drawing/2014/main" id="{F0C873DD-795F-7163-58F9-49BFF3EBBDDB}"/>
               </a:ext>
             </a:extLst>
           </p:cNvPr>
@@ -377,7 +377,7 @@
           <p:cNvPr id="3" name="竖排文字占位符 2">
             <a:extLst>
               <a:ext uri="{FF2B5EF4-FFF2-40B4-BE49-F238E27FC236}">
-                <a16:creationId xmlns:a16="http://schemas.microsoft.com/office/drawing/2014/main" id="{3CCD9DBC-4D12-87E4-BD07-68CDB1876FC2}"/>
+                <a16:creationId xmlns:a16="http://schemas.microsoft.com/office/drawing/2014/main" id="{743C025F-B540-8256-3167-CB81FD7E1D0D}"/>
               </a:ext>
             </a:extLst>
           </p:cNvPr>
@@ -434,7 +434,7 @@
           <p:cNvPr id="4" name="日期占位符 3">
             <a:extLst>
               <a:ext uri="{FF2B5EF4-FFF2-40B4-BE49-F238E27FC236}">
-                <a16:creationId xmlns:a16="http://schemas.microsoft.com/office/drawing/2014/main" id="{87194221-F642-63BA-9666-7233873B285C}"/>
+                <a16:creationId xmlns:a16="http://schemas.microsoft.com/office/drawing/2014/main" id="{FAA34E03-9FF9-EA8F-5CB1-EE20796F3523}"/>
               </a:ext>
             </a:extLst>
           </p:cNvPr>
@@ -450,7 +450,7 @@
           <a:bodyPr/>
           <a:lstStyle/>
           <a:p>
-            <a:fld id="{F64EE766-A75C-4190-BAC6-119F0F971599}" type="datetimeFigureOut">
+            <a:fld id="{F6EED51B-AD9F-4F73-B9F2-E1ABF9661A00}" type="datetimeFigureOut">
               <a:rPr lang="zh-CN" altLang="en-US" smtClean="0"/>
               <a:t>2024/3/10</a:t>
             </a:fld>
@@ -463,7 +463,7 @@
           <p:cNvPr id="5" name="页脚占位符 4">
             <a:extLst>
               <a:ext uri="{FF2B5EF4-FFF2-40B4-BE49-F238E27FC236}">
-                <a16:creationId xmlns:a16="http://schemas.microsoft.com/office/drawing/2014/main" id="{AE0EA21C-C500-C1A3-2FD3-874A3C01D523}"/>
+                <a16:creationId xmlns:a16="http://schemas.microsoft.com/office/drawing/2014/main" id="{2C2A3DD1-A1BB-6AC1-61E7-65F58F324490}"/>
               </a:ext>
             </a:extLst>
           </p:cNvPr>
@@ -488,7 +488,7 @@
           <p:cNvPr id="6" name="灯片编号占位符 5">
             <a:extLst>
               <a:ext uri="{FF2B5EF4-FFF2-40B4-BE49-F238E27FC236}">
-                <a16:creationId xmlns:a16="http://schemas.microsoft.com/office/drawing/2014/main" id="{324FCDA3-4FD6-BB1D-8D3F-4B12D2FF4BEC}"/>
+                <a16:creationId xmlns:a16="http://schemas.microsoft.com/office/drawing/2014/main" id="{F3D7570A-CF2B-9E00-EA49-76C98AEF1F0C}"/>
               </a:ext>
             </a:extLst>
           </p:cNvPr>
@@ -504,7 +504,7 @@
           <a:bodyPr/>
           <a:lstStyle/>
           <a:p>
-            <a:fld id="{4361EE80-5816-4114-BA1D-FE7B93CFC46A}" type="slidenum">
+            <a:fld id="{F42298EC-D9C4-4AD5-B2F1-C4379D0BF28F}" type="slidenum">
               <a:rPr lang="zh-CN" altLang="en-US" smtClean="0"/>
               <a:t>‹#›</a:t>
             </a:fld>
@@ -515,7 +515,7 @@
     </p:spTree>
     <p:extLst>
       <p:ext uri="{BB962C8B-B14F-4D97-AF65-F5344CB8AC3E}">
-        <p14:creationId xmlns:p14="http://schemas.microsoft.com/office/powerpoint/2010/main" val="26716819"/>
+        <p14:creationId xmlns:p14="http://schemas.microsoft.com/office/powerpoint/2010/main" val="150026738"/>
       </p:ext>
     </p:extLst>
   </p:cSld>
@@ -547,7 +547,7 @@
           <p:cNvPr id="2" name="竖排标题 1">
             <a:extLst>
               <a:ext uri="{FF2B5EF4-FFF2-40B4-BE49-F238E27FC236}">
-                <a16:creationId xmlns:a16="http://schemas.microsoft.com/office/drawing/2014/main" id="{2F497CAE-BF40-4902-292F-FAFDEAAB2AD5}"/>
+                <a16:creationId xmlns:a16="http://schemas.microsoft.com/office/drawing/2014/main" id="{00B758C2-E1FC-06F5-EE33-5DD9A80A46FE}"/>
               </a:ext>
             </a:extLst>
           </p:cNvPr>
@@ -580,7 +580,7 @@
           <p:cNvPr id="3" name="竖排文字占位符 2">
             <a:extLst>
               <a:ext uri="{FF2B5EF4-FFF2-40B4-BE49-F238E27FC236}">
-                <a16:creationId xmlns:a16="http://schemas.microsoft.com/office/drawing/2014/main" id="{24DF406D-DC23-2534-2087-DC7EBBB91E08}"/>
+                <a16:creationId xmlns:a16="http://schemas.microsoft.com/office/drawing/2014/main" id="{90951F38-BABA-706E-6AF4-F0F569C34521}"/>
               </a:ext>
             </a:extLst>
           </p:cNvPr>
@@ -642,7 +642,7 @@
           <p:cNvPr id="4" name="日期占位符 3">
             <a:extLst>
               <a:ext uri="{FF2B5EF4-FFF2-40B4-BE49-F238E27FC236}">
-                <a16:creationId xmlns:a16="http://schemas.microsoft.com/office/drawing/2014/main" id="{64C2B1ED-0F6B-FCCE-116F-12073AE3CF52}"/>
+                <a16:creationId xmlns:a16="http://schemas.microsoft.com/office/drawing/2014/main" id="{05DDC216-6BBD-2106-B441-6051B82231D1}"/>
               </a:ext>
             </a:extLst>
           </p:cNvPr>
@@ -658,7 +658,7 @@
           <a:bodyPr/>
           <a:lstStyle/>
           <a:p>
-            <a:fld id="{F64EE766-A75C-4190-BAC6-119F0F971599}" type="datetimeFigureOut">
+            <a:fld id="{F6EED51B-AD9F-4F73-B9F2-E1ABF9661A00}" type="datetimeFigureOut">
               <a:rPr lang="zh-CN" altLang="en-US" smtClean="0"/>
               <a:t>2024/3/10</a:t>
             </a:fld>
@@ -671,7 +671,7 @@
           <p:cNvPr id="5" name="页脚占位符 4">
             <a:extLst>
               <a:ext uri="{FF2B5EF4-FFF2-40B4-BE49-F238E27FC236}">
-                <a16:creationId xmlns:a16="http://schemas.microsoft.com/office/drawing/2014/main" id="{4C7BE266-77F1-1823-86BC-3A71099BBC78}"/>
+                <a16:creationId xmlns:a16="http://schemas.microsoft.com/office/drawing/2014/main" id="{53569775-A01C-FC5C-4854-7411AD61A007}"/>
               </a:ext>
             </a:extLst>
           </p:cNvPr>
@@ -696,7 +696,7 @@
           <p:cNvPr id="6" name="灯片编号占位符 5">
             <a:extLst>
               <a:ext uri="{FF2B5EF4-FFF2-40B4-BE49-F238E27FC236}">
-                <a16:creationId xmlns:a16="http://schemas.microsoft.com/office/drawing/2014/main" id="{D89BC18C-12C3-546F-5F63-8AC207F0E6E6}"/>
+                <a16:creationId xmlns:a16="http://schemas.microsoft.com/office/drawing/2014/main" id="{BD8A0A0E-226C-573A-77DD-DD24C3642963}"/>
               </a:ext>
             </a:extLst>
           </p:cNvPr>
@@ -712,7 +712,7 @@
           <a:bodyPr/>
           <a:lstStyle/>
           <a:p>
-            <a:fld id="{4361EE80-5816-4114-BA1D-FE7B93CFC46A}" type="slidenum">
+            <a:fld id="{F42298EC-D9C4-4AD5-B2F1-C4379D0BF28F}" type="slidenum">
               <a:rPr lang="zh-CN" altLang="en-US" smtClean="0"/>
               <a:t>‹#›</a:t>
             </a:fld>
@@ -723,7 +723,7 @@
     </p:spTree>
     <p:extLst>
       <p:ext uri="{BB962C8B-B14F-4D97-AF65-F5344CB8AC3E}">
-        <p14:creationId xmlns:p14="http://schemas.microsoft.com/office/powerpoint/2010/main" val="2269550511"/>
+        <p14:creationId xmlns:p14="http://schemas.microsoft.com/office/powerpoint/2010/main" val="2244026493"/>
       </p:ext>
     </p:extLst>
   </p:cSld>
@@ -755,7 +755,7 @@
           <p:cNvPr id="2" name="标题 1">
             <a:extLst>
               <a:ext uri="{FF2B5EF4-FFF2-40B4-BE49-F238E27FC236}">
-                <a16:creationId xmlns:a16="http://schemas.microsoft.com/office/drawing/2014/main" id="{396962D0-A2A3-22F3-23A2-DF86234FFFDE}"/>
+                <a16:creationId xmlns:a16="http://schemas.microsoft.com/office/drawing/2014/main" id="{FF71840E-ADFB-D031-8C2D-83EF1E1C3957}"/>
               </a:ext>
             </a:extLst>
           </p:cNvPr>
@@ -783,7 +783,7 @@
           <p:cNvPr id="3" name="内容占位符 2">
             <a:extLst>
               <a:ext uri="{FF2B5EF4-FFF2-40B4-BE49-F238E27FC236}">
-                <a16:creationId xmlns:a16="http://schemas.microsoft.com/office/drawing/2014/main" id="{06CCBAA8-AE1F-4110-A343-2A4381A54682}"/>
+                <a16:creationId xmlns:a16="http://schemas.microsoft.com/office/drawing/2014/main" id="{FA62901D-3D9A-AD0D-986E-9F5C860BE328}"/>
               </a:ext>
             </a:extLst>
           </p:cNvPr>
@@ -840,7 +840,7 @@
           <p:cNvPr id="4" name="日期占位符 3">
             <a:extLst>
               <a:ext uri="{FF2B5EF4-FFF2-40B4-BE49-F238E27FC236}">
-                <a16:creationId xmlns:a16="http://schemas.microsoft.com/office/drawing/2014/main" id="{566D8197-8392-6E79-28F1-698DFE65D187}"/>
+                <a16:creationId xmlns:a16="http://schemas.microsoft.com/office/drawing/2014/main" id="{849BC4E7-86A8-EEF9-FCEF-2AABC68B34AE}"/>
               </a:ext>
             </a:extLst>
           </p:cNvPr>
@@ -856,7 +856,7 @@
           <a:bodyPr/>
           <a:lstStyle/>
           <a:p>
-            <a:fld id="{F64EE766-A75C-4190-BAC6-119F0F971599}" type="datetimeFigureOut">
+            <a:fld id="{F6EED51B-AD9F-4F73-B9F2-E1ABF9661A00}" type="datetimeFigureOut">
               <a:rPr lang="zh-CN" altLang="en-US" smtClean="0"/>
               <a:t>2024/3/10</a:t>
             </a:fld>
@@ -869,7 +869,7 @@
           <p:cNvPr id="5" name="页脚占位符 4">
             <a:extLst>
               <a:ext uri="{FF2B5EF4-FFF2-40B4-BE49-F238E27FC236}">
-                <a16:creationId xmlns:a16="http://schemas.microsoft.com/office/drawing/2014/main" id="{1FC9512C-2969-570E-EF91-AF705F6FD6EA}"/>
+                <a16:creationId xmlns:a16="http://schemas.microsoft.com/office/drawing/2014/main" id="{785901BB-7188-3723-8DA4-B8A6B5B125BE}"/>
               </a:ext>
             </a:extLst>
           </p:cNvPr>
@@ -894,7 +894,7 @@
           <p:cNvPr id="6" name="灯片编号占位符 5">
             <a:extLst>
               <a:ext uri="{FF2B5EF4-FFF2-40B4-BE49-F238E27FC236}">
-                <a16:creationId xmlns:a16="http://schemas.microsoft.com/office/drawing/2014/main" id="{D7BD535E-93B7-14EC-9678-F34DFC672A3B}"/>
+                <a16:creationId xmlns:a16="http://schemas.microsoft.com/office/drawing/2014/main" id="{6AE8A0A3-251A-D26D-CB0F-D1B469C1B93D}"/>
               </a:ext>
             </a:extLst>
           </p:cNvPr>
@@ -910,7 +910,7 @@
           <a:bodyPr/>
           <a:lstStyle/>
           <a:p>
-            <a:fld id="{4361EE80-5816-4114-BA1D-FE7B93CFC46A}" type="slidenum">
+            <a:fld id="{F42298EC-D9C4-4AD5-B2F1-C4379D0BF28F}" type="slidenum">
               <a:rPr lang="zh-CN" altLang="en-US" smtClean="0"/>
               <a:t>‹#›</a:t>
             </a:fld>
@@ -921,7 +921,7 @@
     </p:spTree>
     <p:extLst>
       <p:ext uri="{BB962C8B-B14F-4D97-AF65-F5344CB8AC3E}">
-        <p14:creationId xmlns:p14="http://schemas.microsoft.com/office/powerpoint/2010/main" val="3106981963"/>
+        <p14:creationId xmlns:p14="http://schemas.microsoft.com/office/powerpoint/2010/main" val="4043069005"/>
       </p:ext>
     </p:extLst>
   </p:cSld>
@@ -953,7 +953,7 @@
           <p:cNvPr id="2" name="标题 1">
             <a:extLst>
               <a:ext uri="{FF2B5EF4-FFF2-40B4-BE49-F238E27FC236}">
-                <a16:creationId xmlns:a16="http://schemas.microsoft.com/office/drawing/2014/main" id="{596566E2-F444-EA17-173B-B4392BD01D12}"/>
+                <a16:creationId xmlns:a16="http://schemas.microsoft.com/office/drawing/2014/main" id="{786BF8E0-4749-24BC-444E-74CB9516FC4C}"/>
               </a:ext>
             </a:extLst>
           </p:cNvPr>
@@ -990,7 +990,7 @@
           <p:cNvPr id="3" name="文本占位符 2">
             <a:extLst>
               <a:ext uri="{FF2B5EF4-FFF2-40B4-BE49-F238E27FC236}">
-                <a16:creationId xmlns:a16="http://schemas.microsoft.com/office/drawing/2014/main" id="{B8529DB0-6A0A-3073-8861-86820C6B5CC1}"/>
+                <a16:creationId xmlns:a16="http://schemas.microsoft.com/office/drawing/2014/main" id="{44E09A3B-BB76-646A-1426-C8713BB81653}"/>
               </a:ext>
             </a:extLst>
           </p:cNvPr>
@@ -1115,7 +1115,7 @@
           <p:cNvPr id="4" name="日期占位符 3">
             <a:extLst>
               <a:ext uri="{FF2B5EF4-FFF2-40B4-BE49-F238E27FC236}">
-                <a16:creationId xmlns:a16="http://schemas.microsoft.com/office/drawing/2014/main" id="{9B77FCAF-2C86-2E34-7226-6BE851B580F0}"/>
+                <a16:creationId xmlns:a16="http://schemas.microsoft.com/office/drawing/2014/main" id="{89EBDBCB-5B02-9733-D404-CB4B1833B89C}"/>
               </a:ext>
             </a:extLst>
           </p:cNvPr>
@@ -1131,7 +1131,7 @@
           <a:bodyPr/>
           <a:lstStyle/>
           <a:p>
-            <a:fld id="{F64EE766-A75C-4190-BAC6-119F0F971599}" type="datetimeFigureOut">
+            <a:fld id="{F6EED51B-AD9F-4F73-B9F2-E1ABF9661A00}" type="datetimeFigureOut">
               <a:rPr lang="zh-CN" altLang="en-US" smtClean="0"/>
               <a:t>2024/3/10</a:t>
             </a:fld>
@@ -1144,7 +1144,7 @@
           <p:cNvPr id="5" name="页脚占位符 4">
             <a:extLst>
               <a:ext uri="{FF2B5EF4-FFF2-40B4-BE49-F238E27FC236}">
-                <a16:creationId xmlns:a16="http://schemas.microsoft.com/office/drawing/2014/main" id="{7EEC5294-4FB5-5AFC-1889-7CF6D61F9E65}"/>
+                <a16:creationId xmlns:a16="http://schemas.microsoft.com/office/drawing/2014/main" id="{62F105B2-BD0C-9C5B-1076-69164A37D800}"/>
               </a:ext>
             </a:extLst>
           </p:cNvPr>
@@ -1169,7 +1169,7 @@
           <p:cNvPr id="6" name="灯片编号占位符 5">
             <a:extLst>
               <a:ext uri="{FF2B5EF4-FFF2-40B4-BE49-F238E27FC236}">
-                <a16:creationId xmlns:a16="http://schemas.microsoft.com/office/drawing/2014/main" id="{325096A0-849F-8CE6-0717-5361D5C731B5}"/>
+                <a16:creationId xmlns:a16="http://schemas.microsoft.com/office/drawing/2014/main" id="{D13DC052-FA03-6348-434A-FC78B3D69760}"/>
               </a:ext>
             </a:extLst>
           </p:cNvPr>
@@ -1185,7 +1185,7 @@
           <a:bodyPr/>
           <a:lstStyle/>
           <a:p>
-            <a:fld id="{4361EE80-5816-4114-BA1D-FE7B93CFC46A}" type="slidenum">
+            <a:fld id="{F42298EC-D9C4-4AD5-B2F1-C4379D0BF28F}" type="slidenum">
               <a:rPr lang="zh-CN" altLang="en-US" smtClean="0"/>
               <a:t>‹#›</a:t>
             </a:fld>
@@ -1196,7 +1196,7 @@
     </p:spTree>
     <p:extLst>
       <p:ext uri="{BB962C8B-B14F-4D97-AF65-F5344CB8AC3E}">
-        <p14:creationId xmlns:p14="http://schemas.microsoft.com/office/powerpoint/2010/main" val="4025418127"/>
+        <p14:creationId xmlns:p14="http://schemas.microsoft.com/office/powerpoint/2010/main" val="1455410378"/>
       </p:ext>
     </p:extLst>
   </p:cSld>
@@ -1228,7 +1228,7 @@
           <p:cNvPr id="2" name="标题 1">
             <a:extLst>
               <a:ext uri="{FF2B5EF4-FFF2-40B4-BE49-F238E27FC236}">
-                <a16:creationId xmlns:a16="http://schemas.microsoft.com/office/drawing/2014/main" id="{D1387F8C-891D-F40A-AF26-E19A25884F18}"/>
+                <a16:creationId xmlns:a16="http://schemas.microsoft.com/office/drawing/2014/main" id="{D2833B32-A5FE-1A93-6B76-7CB9889A54CB}"/>
               </a:ext>
             </a:extLst>
           </p:cNvPr>
@@ -1256,7 +1256,7 @@
           <p:cNvPr id="3" name="内容占位符 2">
             <a:extLst>
               <a:ext uri="{FF2B5EF4-FFF2-40B4-BE49-F238E27FC236}">
-                <a16:creationId xmlns:a16="http://schemas.microsoft.com/office/drawing/2014/main" id="{B16355A7-48ED-B26C-5A92-8C3643BCAB76}"/>
+                <a16:creationId xmlns:a16="http://schemas.microsoft.com/office/drawing/2014/main" id="{B0C3A35F-518C-C22D-0EEC-FCFEDFBFEA21}"/>
               </a:ext>
             </a:extLst>
           </p:cNvPr>
@@ -1318,7 +1318,7 @@
           <p:cNvPr id="4" name="内容占位符 3">
             <a:extLst>
               <a:ext uri="{FF2B5EF4-FFF2-40B4-BE49-F238E27FC236}">
-                <a16:creationId xmlns:a16="http://schemas.microsoft.com/office/drawing/2014/main" id="{CA1F5296-67D7-C377-166F-4066A01A1E43}"/>
+                <a16:creationId xmlns:a16="http://schemas.microsoft.com/office/drawing/2014/main" id="{B5098648-5792-CFB8-9D52-692160A6DDAD}"/>
               </a:ext>
             </a:extLst>
           </p:cNvPr>
@@ -1380,7 +1380,7 @@
           <p:cNvPr id="5" name="日期占位符 4">
             <a:extLst>
               <a:ext uri="{FF2B5EF4-FFF2-40B4-BE49-F238E27FC236}">
-                <a16:creationId xmlns:a16="http://schemas.microsoft.com/office/drawing/2014/main" id="{7D9F3876-F73A-7B30-9F65-7ED678EEF12F}"/>
+                <a16:creationId xmlns:a16="http://schemas.microsoft.com/office/drawing/2014/main" id="{F1870C33-14A0-3498-CF67-3EC8078FAD5E}"/>
               </a:ext>
             </a:extLst>
           </p:cNvPr>
@@ -1396,7 +1396,7 @@
           <a:bodyPr/>
           <a:lstStyle/>
           <a:p>
-            <a:fld id="{F64EE766-A75C-4190-BAC6-119F0F971599}" type="datetimeFigureOut">
+            <a:fld id="{F6EED51B-AD9F-4F73-B9F2-E1ABF9661A00}" type="datetimeFigureOut">
               <a:rPr lang="zh-CN" altLang="en-US" smtClean="0"/>
               <a:t>2024/3/10</a:t>
             </a:fld>
@@ -1409,7 +1409,7 @@
           <p:cNvPr id="6" name="页脚占位符 5">
             <a:extLst>
               <a:ext uri="{FF2B5EF4-FFF2-40B4-BE49-F238E27FC236}">
-                <a16:creationId xmlns:a16="http://schemas.microsoft.com/office/drawing/2014/main" id="{A2AE8E5C-F967-A64D-F586-483E421AD2B1}"/>
+                <a16:creationId xmlns:a16="http://schemas.microsoft.com/office/drawing/2014/main" id="{B3227194-7FD6-A517-8AAE-4B889C218E28}"/>
               </a:ext>
             </a:extLst>
           </p:cNvPr>
@@ -1434,7 +1434,7 @@
           <p:cNvPr id="7" name="灯片编号占位符 6">
             <a:extLst>
               <a:ext uri="{FF2B5EF4-FFF2-40B4-BE49-F238E27FC236}">
-                <a16:creationId xmlns:a16="http://schemas.microsoft.com/office/drawing/2014/main" id="{F21655E2-897F-F212-590D-A2859D628D6E}"/>
+                <a16:creationId xmlns:a16="http://schemas.microsoft.com/office/drawing/2014/main" id="{732FF37B-C174-657A-ADEB-53E3F1E7960F}"/>
               </a:ext>
             </a:extLst>
           </p:cNvPr>
@@ -1450,7 +1450,7 @@
           <a:bodyPr/>
           <a:lstStyle/>
           <a:p>
-            <a:fld id="{4361EE80-5816-4114-BA1D-FE7B93CFC46A}" type="slidenum">
+            <a:fld id="{F42298EC-D9C4-4AD5-B2F1-C4379D0BF28F}" type="slidenum">
               <a:rPr lang="zh-CN" altLang="en-US" smtClean="0"/>
               <a:t>‹#›</a:t>
             </a:fld>
@@ -1461,7 +1461,7 @@
     </p:spTree>
     <p:extLst>
       <p:ext uri="{BB962C8B-B14F-4D97-AF65-F5344CB8AC3E}">
-        <p14:creationId xmlns:p14="http://schemas.microsoft.com/office/powerpoint/2010/main" val="2511182095"/>
+        <p14:creationId xmlns:p14="http://schemas.microsoft.com/office/powerpoint/2010/main" val="2721282252"/>
       </p:ext>
     </p:extLst>
   </p:cSld>
@@ -1493,7 +1493,7 @@
           <p:cNvPr id="2" name="标题 1">
             <a:extLst>
               <a:ext uri="{FF2B5EF4-FFF2-40B4-BE49-F238E27FC236}">
-                <a16:creationId xmlns:a16="http://schemas.microsoft.com/office/drawing/2014/main" id="{F23B5A73-BA6D-CB8D-E8E1-0927DEE548CF}"/>
+                <a16:creationId xmlns:a16="http://schemas.microsoft.com/office/drawing/2014/main" id="{CADD011B-CD6B-DBEB-5479-10FE89AF5ED4}"/>
               </a:ext>
             </a:extLst>
           </p:cNvPr>
@@ -1526,7 +1526,7 @@
           <p:cNvPr id="3" name="文本占位符 2">
             <a:extLst>
               <a:ext uri="{FF2B5EF4-FFF2-40B4-BE49-F238E27FC236}">
-                <a16:creationId xmlns:a16="http://schemas.microsoft.com/office/drawing/2014/main" id="{A67C60CA-86A5-7163-4ECF-285A65214F9E}"/>
+                <a16:creationId xmlns:a16="http://schemas.microsoft.com/office/drawing/2014/main" id="{B944BE39-CBBC-982F-B398-F58C37B01AEF}"/>
               </a:ext>
             </a:extLst>
           </p:cNvPr>
@@ -1597,7 +1597,7 @@
           <p:cNvPr id="4" name="内容占位符 3">
             <a:extLst>
               <a:ext uri="{FF2B5EF4-FFF2-40B4-BE49-F238E27FC236}">
-                <a16:creationId xmlns:a16="http://schemas.microsoft.com/office/drawing/2014/main" id="{F95669CC-313A-473D-B64B-80A5D4CED217}"/>
+                <a16:creationId xmlns:a16="http://schemas.microsoft.com/office/drawing/2014/main" id="{6234C62B-2DE3-C408-A941-C1FEECA2BF39}"/>
               </a:ext>
             </a:extLst>
           </p:cNvPr>
@@ -1659,7 +1659,7 @@
           <p:cNvPr id="5" name="文本占位符 4">
             <a:extLst>
               <a:ext uri="{FF2B5EF4-FFF2-40B4-BE49-F238E27FC236}">
-                <a16:creationId xmlns:a16="http://schemas.microsoft.com/office/drawing/2014/main" id="{69BA46FC-343D-6D0F-7561-C61071332337}"/>
+                <a16:creationId xmlns:a16="http://schemas.microsoft.com/office/drawing/2014/main" id="{0EE8EFB4-34DF-CE6F-8F54-6F0191AC7728}"/>
               </a:ext>
             </a:extLst>
           </p:cNvPr>
@@ -1730,7 +1730,7 @@
           <p:cNvPr id="6" name="内容占位符 5">
             <a:extLst>
               <a:ext uri="{FF2B5EF4-FFF2-40B4-BE49-F238E27FC236}">
-                <a16:creationId xmlns:a16="http://schemas.microsoft.com/office/drawing/2014/main" id="{2203B84D-48DD-E4AD-7B5D-1C02FC13B2FC}"/>
+                <a16:creationId xmlns:a16="http://schemas.microsoft.com/office/drawing/2014/main" id="{9E5391F1-44A0-0D3C-0D7B-957496E9D4D0}"/>
               </a:ext>
             </a:extLst>
           </p:cNvPr>
@@ -1792,7 +1792,7 @@
           <p:cNvPr id="7" name="日期占位符 6">
             <a:extLst>
               <a:ext uri="{FF2B5EF4-FFF2-40B4-BE49-F238E27FC236}">
-                <a16:creationId xmlns:a16="http://schemas.microsoft.com/office/drawing/2014/main" id="{077DDF94-35C4-28AB-FDED-83B6E4A4D607}"/>
+                <a16:creationId xmlns:a16="http://schemas.microsoft.com/office/drawing/2014/main" id="{FD1AC583-BEBF-52FF-A184-AB857C8A48EC}"/>
               </a:ext>
             </a:extLst>
           </p:cNvPr>
@@ -1808,7 +1808,7 @@
           <a:bodyPr/>
           <a:lstStyle/>
           <a:p>
-            <a:fld id="{F64EE766-A75C-4190-BAC6-119F0F971599}" type="datetimeFigureOut">
+            <a:fld id="{F6EED51B-AD9F-4F73-B9F2-E1ABF9661A00}" type="datetimeFigureOut">
               <a:rPr lang="zh-CN" altLang="en-US" smtClean="0"/>
               <a:t>2024/3/10</a:t>
             </a:fld>
@@ -1821,7 +1821,7 @@
           <p:cNvPr id="8" name="页脚占位符 7">
             <a:extLst>
               <a:ext uri="{FF2B5EF4-FFF2-40B4-BE49-F238E27FC236}">
-                <a16:creationId xmlns:a16="http://schemas.microsoft.com/office/drawing/2014/main" id="{4884FA96-B7EC-FF8E-7C7F-66FE339C51FC}"/>
+                <a16:creationId xmlns:a16="http://schemas.microsoft.com/office/drawing/2014/main" id="{C946FEDA-3D79-E2ED-D286-EB1765C123AD}"/>
               </a:ext>
             </a:extLst>
           </p:cNvPr>
@@ -1846,7 +1846,7 @@
           <p:cNvPr id="9" name="灯片编号占位符 8">
             <a:extLst>
               <a:ext uri="{FF2B5EF4-FFF2-40B4-BE49-F238E27FC236}">
-                <a16:creationId xmlns:a16="http://schemas.microsoft.com/office/drawing/2014/main" id="{450149DF-9FFC-48E1-FDB2-B9CFDEB61BB3}"/>
+                <a16:creationId xmlns:a16="http://schemas.microsoft.com/office/drawing/2014/main" id="{F7A38F9B-3DF9-695E-33A7-B51BE0E21DBE}"/>
               </a:ext>
             </a:extLst>
           </p:cNvPr>
@@ -1862,7 +1862,7 @@
           <a:bodyPr/>
           <a:lstStyle/>
           <a:p>
-            <a:fld id="{4361EE80-5816-4114-BA1D-FE7B93CFC46A}" type="slidenum">
+            <a:fld id="{F42298EC-D9C4-4AD5-B2F1-C4379D0BF28F}" type="slidenum">
               <a:rPr lang="zh-CN" altLang="en-US" smtClean="0"/>
               <a:t>‹#›</a:t>
             </a:fld>
@@ -1873,7 +1873,7 @@
     </p:spTree>
     <p:extLst>
       <p:ext uri="{BB962C8B-B14F-4D97-AF65-F5344CB8AC3E}">
-        <p14:creationId xmlns:p14="http://schemas.microsoft.com/office/powerpoint/2010/main" val="1998155975"/>
+        <p14:creationId xmlns:p14="http://schemas.microsoft.com/office/powerpoint/2010/main" val="3216260074"/>
       </p:ext>
     </p:extLst>
   </p:cSld>
@@ -1905,7 +1905,7 @@
           <p:cNvPr id="2" name="标题 1">
             <a:extLst>
               <a:ext uri="{FF2B5EF4-FFF2-40B4-BE49-F238E27FC236}">
-                <a16:creationId xmlns:a16="http://schemas.microsoft.com/office/drawing/2014/main" id="{A924AB9B-09EF-1B71-0D5F-5E84AB36699B}"/>
+                <a16:creationId xmlns:a16="http://schemas.microsoft.com/office/drawing/2014/main" id="{B8E9E552-031E-9BC3-D82C-3674AE1C33B3}"/>
               </a:ext>
             </a:extLst>
           </p:cNvPr>
@@ -1933,7 +1933,7 @@
           <p:cNvPr id="3" name="日期占位符 2">
             <a:extLst>
               <a:ext uri="{FF2B5EF4-FFF2-40B4-BE49-F238E27FC236}">
-                <a16:creationId xmlns:a16="http://schemas.microsoft.com/office/drawing/2014/main" id="{353B1232-311C-C46B-64D0-1BE56520A2CA}"/>
+                <a16:creationId xmlns:a16="http://schemas.microsoft.com/office/drawing/2014/main" id="{258A7655-2E65-15E5-E73D-ABBBF73B69A4}"/>
               </a:ext>
             </a:extLst>
           </p:cNvPr>
@@ -1949,7 +1949,7 @@
           <a:bodyPr/>
           <a:lstStyle/>
           <a:p>
-            <a:fld id="{F64EE766-A75C-4190-BAC6-119F0F971599}" type="datetimeFigureOut">
+            <a:fld id="{F6EED51B-AD9F-4F73-B9F2-E1ABF9661A00}" type="datetimeFigureOut">
               <a:rPr lang="zh-CN" altLang="en-US" smtClean="0"/>
               <a:t>2024/3/10</a:t>
             </a:fld>
@@ -1962,7 +1962,7 @@
           <p:cNvPr id="4" name="页脚占位符 3">
             <a:extLst>
               <a:ext uri="{FF2B5EF4-FFF2-40B4-BE49-F238E27FC236}">
-                <a16:creationId xmlns:a16="http://schemas.microsoft.com/office/drawing/2014/main" id="{9B919F7D-4970-069F-E6E1-3DA16615362E}"/>
+                <a16:creationId xmlns:a16="http://schemas.microsoft.com/office/drawing/2014/main" id="{D46D7694-96C3-625A-ED04-0199C9803C48}"/>
               </a:ext>
             </a:extLst>
           </p:cNvPr>
@@ -1987,7 +1987,7 @@
           <p:cNvPr id="5" name="灯片编号占位符 4">
             <a:extLst>
               <a:ext uri="{FF2B5EF4-FFF2-40B4-BE49-F238E27FC236}">
-                <a16:creationId xmlns:a16="http://schemas.microsoft.com/office/drawing/2014/main" id="{2E97158A-1264-A467-FEF6-381186730380}"/>
+                <a16:creationId xmlns:a16="http://schemas.microsoft.com/office/drawing/2014/main" id="{BD09ABF6-E37C-B4B0-2F7F-6C03E3B2701A}"/>
               </a:ext>
             </a:extLst>
           </p:cNvPr>
@@ -2003,7 +2003,7 @@
           <a:bodyPr/>
           <a:lstStyle/>
           <a:p>
-            <a:fld id="{4361EE80-5816-4114-BA1D-FE7B93CFC46A}" type="slidenum">
+            <a:fld id="{F42298EC-D9C4-4AD5-B2F1-C4379D0BF28F}" type="slidenum">
               <a:rPr lang="zh-CN" altLang="en-US" smtClean="0"/>
               <a:t>‹#›</a:t>
             </a:fld>
@@ -2014,7 +2014,7 @@
     </p:spTree>
     <p:extLst>
       <p:ext uri="{BB962C8B-B14F-4D97-AF65-F5344CB8AC3E}">
-        <p14:creationId xmlns:p14="http://schemas.microsoft.com/office/powerpoint/2010/main" val="2379272741"/>
+        <p14:creationId xmlns:p14="http://schemas.microsoft.com/office/powerpoint/2010/main" val="2549471512"/>
       </p:ext>
     </p:extLst>
   </p:cSld>
@@ -2046,7 +2046,7 @@
           <p:cNvPr id="2" name="日期占位符 1">
             <a:extLst>
               <a:ext uri="{FF2B5EF4-FFF2-40B4-BE49-F238E27FC236}">
-                <a16:creationId xmlns:a16="http://schemas.microsoft.com/office/drawing/2014/main" id="{3E8A1045-E276-002B-1A23-B1B9194DCD88}"/>
+                <a16:creationId xmlns:a16="http://schemas.microsoft.com/office/drawing/2014/main" id="{6450E287-EADE-4067-7830-5A802ED20104}"/>
               </a:ext>
             </a:extLst>
           </p:cNvPr>
@@ -2062,7 +2062,7 @@
           <a:bodyPr/>
           <a:lstStyle/>
           <a:p>
-            <a:fld id="{F64EE766-A75C-4190-BAC6-119F0F971599}" type="datetimeFigureOut">
+            <a:fld id="{F6EED51B-AD9F-4F73-B9F2-E1ABF9661A00}" type="datetimeFigureOut">
               <a:rPr lang="zh-CN" altLang="en-US" smtClean="0"/>
               <a:t>2024/3/10</a:t>
             </a:fld>
@@ -2075,7 +2075,7 @@
           <p:cNvPr id="3" name="页脚占位符 2">
             <a:extLst>
               <a:ext uri="{FF2B5EF4-FFF2-40B4-BE49-F238E27FC236}">
-                <a16:creationId xmlns:a16="http://schemas.microsoft.com/office/drawing/2014/main" id="{0CFD71C0-9013-629E-6C4D-5D2533014D81}"/>
+                <a16:creationId xmlns:a16="http://schemas.microsoft.com/office/drawing/2014/main" id="{0BB88EAA-305D-CDE0-4022-9D924AF912EC}"/>
               </a:ext>
             </a:extLst>
           </p:cNvPr>
@@ -2100,7 +2100,7 @@
           <p:cNvPr id="4" name="灯片编号占位符 3">
             <a:extLst>
               <a:ext uri="{FF2B5EF4-FFF2-40B4-BE49-F238E27FC236}">
-                <a16:creationId xmlns:a16="http://schemas.microsoft.com/office/drawing/2014/main" id="{42661570-4035-383C-43EF-8FF81CF69C08}"/>
+                <a16:creationId xmlns:a16="http://schemas.microsoft.com/office/drawing/2014/main" id="{21454EB6-9DE4-DD80-2B95-553B6496B71D}"/>
               </a:ext>
             </a:extLst>
           </p:cNvPr>
@@ -2116,7 +2116,7 @@
           <a:bodyPr/>
           <a:lstStyle/>
           <a:p>
-            <a:fld id="{4361EE80-5816-4114-BA1D-FE7B93CFC46A}" type="slidenum">
+            <a:fld id="{F42298EC-D9C4-4AD5-B2F1-C4379D0BF28F}" type="slidenum">
               <a:rPr lang="zh-CN" altLang="en-US" smtClean="0"/>
               <a:t>‹#›</a:t>
             </a:fld>
@@ -2127,7 +2127,7 @@
     </p:spTree>
     <p:extLst>
       <p:ext uri="{BB962C8B-B14F-4D97-AF65-F5344CB8AC3E}">
-        <p14:creationId xmlns:p14="http://schemas.microsoft.com/office/powerpoint/2010/main" val="2554053183"/>
+        <p14:creationId xmlns:p14="http://schemas.microsoft.com/office/powerpoint/2010/main" val="1499136658"/>
       </p:ext>
     </p:extLst>
   </p:cSld>
@@ -2159,7 +2159,7 @@
           <p:cNvPr id="2" name="标题 1">
             <a:extLst>
               <a:ext uri="{FF2B5EF4-FFF2-40B4-BE49-F238E27FC236}">
-                <a16:creationId xmlns:a16="http://schemas.microsoft.com/office/drawing/2014/main" id="{364A546F-6173-8C88-F7ED-0473C0FF09DB}"/>
+                <a16:creationId xmlns:a16="http://schemas.microsoft.com/office/drawing/2014/main" id="{8FC2A7DF-18DD-2DF0-E714-BACB45C09B01}"/>
               </a:ext>
             </a:extLst>
           </p:cNvPr>
@@ -2196,7 +2196,7 @@
           <p:cNvPr id="3" name="内容占位符 2">
             <a:extLst>
               <a:ext uri="{FF2B5EF4-FFF2-40B4-BE49-F238E27FC236}">
-                <a16:creationId xmlns:a16="http://schemas.microsoft.com/office/drawing/2014/main" id="{B18F2758-12D4-C1B7-ABF4-83F82057D978}"/>
+                <a16:creationId xmlns:a16="http://schemas.microsoft.com/office/drawing/2014/main" id="{7AAD2F42-2F4B-7E15-C7A9-DD0C4FDB9F9F}"/>
               </a:ext>
             </a:extLst>
           </p:cNvPr>
@@ -2286,7 +2286,7 @@
           <p:cNvPr id="4" name="文本占位符 3">
             <a:extLst>
               <a:ext uri="{FF2B5EF4-FFF2-40B4-BE49-F238E27FC236}">
-                <a16:creationId xmlns:a16="http://schemas.microsoft.com/office/drawing/2014/main" id="{91E1E405-6EA7-B164-D822-3770C4F018B9}"/>
+                <a16:creationId xmlns:a16="http://schemas.microsoft.com/office/drawing/2014/main" id="{B2177C47-7846-3BC8-CCBF-78EBA275CEA9}"/>
               </a:ext>
             </a:extLst>
           </p:cNvPr>
@@ -2357,7 +2357,7 @@
           <p:cNvPr id="5" name="日期占位符 4">
             <a:extLst>
               <a:ext uri="{FF2B5EF4-FFF2-40B4-BE49-F238E27FC236}">
-                <a16:creationId xmlns:a16="http://schemas.microsoft.com/office/drawing/2014/main" id="{3727DCCD-633C-F9CB-FDA9-41144AC631C5}"/>
+                <a16:creationId xmlns:a16="http://schemas.microsoft.com/office/drawing/2014/main" id="{F0D73E74-6C50-CCD4-F4F9-D3E3F206E468}"/>
               </a:ext>
             </a:extLst>
           </p:cNvPr>
@@ -2373,7 +2373,7 @@
           <a:bodyPr/>
           <a:lstStyle/>
           <a:p>
-            <a:fld id="{F64EE766-A75C-4190-BAC6-119F0F971599}" type="datetimeFigureOut">
+            <a:fld id="{F6EED51B-AD9F-4F73-B9F2-E1ABF9661A00}" type="datetimeFigureOut">
               <a:rPr lang="zh-CN" altLang="en-US" smtClean="0"/>
               <a:t>2024/3/10</a:t>
             </a:fld>
@@ -2386,7 +2386,7 @@
           <p:cNvPr id="6" name="页脚占位符 5">
             <a:extLst>
               <a:ext uri="{FF2B5EF4-FFF2-40B4-BE49-F238E27FC236}">
-                <a16:creationId xmlns:a16="http://schemas.microsoft.com/office/drawing/2014/main" id="{8D8EB2B4-DD80-11F8-A11D-62E81078CFF7}"/>
+                <a16:creationId xmlns:a16="http://schemas.microsoft.com/office/drawing/2014/main" id="{4B5783E5-9FE0-D59F-28F9-CC0554198DFC}"/>
               </a:ext>
             </a:extLst>
           </p:cNvPr>
@@ -2411,7 +2411,7 @@
           <p:cNvPr id="7" name="灯片编号占位符 6">
             <a:extLst>
               <a:ext uri="{FF2B5EF4-FFF2-40B4-BE49-F238E27FC236}">
-                <a16:creationId xmlns:a16="http://schemas.microsoft.com/office/drawing/2014/main" id="{8E52DEB4-807B-83B2-521B-479C00B70E86}"/>
+                <a16:creationId xmlns:a16="http://schemas.microsoft.com/office/drawing/2014/main" id="{981B1D26-6AF2-B725-7085-AFF16EE85F16}"/>
               </a:ext>
             </a:extLst>
           </p:cNvPr>
@@ -2427,7 +2427,7 @@
           <a:bodyPr/>
           <a:lstStyle/>
           <a:p>
-            <a:fld id="{4361EE80-5816-4114-BA1D-FE7B93CFC46A}" type="slidenum">
+            <a:fld id="{F42298EC-D9C4-4AD5-B2F1-C4379D0BF28F}" type="slidenum">
               <a:rPr lang="zh-CN" altLang="en-US" smtClean="0"/>
               <a:t>‹#›</a:t>
             </a:fld>
@@ -2438,7 +2438,7 @@
     </p:spTree>
     <p:extLst>
       <p:ext uri="{BB962C8B-B14F-4D97-AF65-F5344CB8AC3E}">
-        <p14:creationId xmlns:p14="http://schemas.microsoft.com/office/powerpoint/2010/main" val="1989671733"/>
+        <p14:creationId xmlns:p14="http://schemas.microsoft.com/office/powerpoint/2010/main" val="12956561"/>
       </p:ext>
     </p:extLst>
   </p:cSld>
@@ -2470,7 +2470,7 @@
           <p:cNvPr id="2" name="标题 1">
             <a:extLst>
               <a:ext uri="{FF2B5EF4-FFF2-40B4-BE49-F238E27FC236}">
-                <a16:creationId xmlns:a16="http://schemas.microsoft.com/office/drawing/2014/main" id="{536CBF30-65C9-2025-3E34-1CF3A03FCF75}"/>
+                <a16:creationId xmlns:a16="http://schemas.microsoft.com/office/drawing/2014/main" id="{5AED77F5-EFBE-1D05-12A6-ED1FA90ED719}"/>
               </a:ext>
             </a:extLst>
           </p:cNvPr>
@@ -2507,7 +2507,7 @@
           <p:cNvPr id="3" name="图片占位符 2">
             <a:extLst>
               <a:ext uri="{FF2B5EF4-FFF2-40B4-BE49-F238E27FC236}">
-                <a16:creationId xmlns:a16="http://schemas.microsoft.com/office/drawing/2014/main" id="{38C73017-EA60-F04F-8696-F42CA8F28E3B}"/>
+                <a16:creationId xmlns:a16="http://schemas.microsoft.com/office/drawing/2014/main" id="{A309B5B8-40EF-9D1C-C2BA-5005BD85922D}"/>
               </a:ext>
             </a:extLst>
           </p:cNvPr>
@@ -2574,7 +2574,7 @@
           <p:cNvPr id="4" name="文本占位符 3">
             <a:extLst>
               <a:ext uri="{FF2B5EF4-FFF2-40B4-BE49-F238E27FC236}">
-                <a16:creationId xmlns:a16="http://schemas.microsoft.com/office/drawing/2014/main" id="{357C223D-8DEE-3E83-CFF9-CE329736A6D5}"/>
+                <a16:creationId xmlns:a16="http://schemas.microsoft.com/office/drawing/2014/main" id="{7771D966-2564-4A22-087D-E6498A8B3C47}"/>
               </a:ext>
             </a:extLst>
           </p:cNvPr>
@@ -2645,7 +2645,7 @@
           <p:cNvPr id="5" name="日期占位符 4">
             <a:extLst>
               <a:ext uri="{FF2B5EF4-FFF2-40B4-BE49-F238E27FC236}">
-                <a16:creationId xmlns:a16="http://schemas.microsoft.com/office/drawing/2014/main" id="{D9624D80-DAC1-2C33-5640-D875E20C35D5}"/>
+                <a16:creationId xmlns:a16="http://schemas.microsoft.com/office/drawing/2014/main" id="{66E0509E-DE42-C0EA-0567-BB6A0B34D1B6}"/>
               </a:ext>
             </a:extLst>
           </p:cNvPr>
@@ -2661,7 +2661,7 @@
           <a:bodyPr/>
           <a:lstStyle/>
           <a:p>
-            <a:fld id="{F64EE766-A75C-4190-BAC6-119F0F971599}" type="datetimeFigureOut">
+            <a:fld id="{F6EED51B-AD9F-4F73-B9F2-E1ABF9661A00}" type="datetimeFigureOut">
               <a:rPr lang="zh-CN" altLang="en-US" smtClean="0"/>
               <a:t>2024/3/10</a:t>
             </a:fld>
@@ -2674,7 +2674,7 @@
           <p:cNvPr id="6" name="页脚占位符 5">
             <a:extLst>
               <a:ext uri="{FF2B5EF4-FFF2-40B4-BE49-F238E27FC236}">
-                <a16:creationId xmlns:a16="http://schemas.microsoft.com/office/drawing/2014/main" id="{24887CFC-789A-F10E-484E-CC9596D21A3F}"/>
+                <a16:creationId xmlns:a16="http://schemas.microsoft.com/office/drawing/2014/main" id="{E28C4C86-890C-91F2-9DDF-535E0D66447B}"/>
               </a:ext>
             </a:extLst>
           </p:cNvPr>
@@ -2699,7 +2699,7 @@
           <p:cNvPr id="7" name="灯片编号占位符 6">
             <a:extLst>
               <a:ext uri="{FF2B5EF4-FFF2-40B4-BE49-F238E27FC236}">
-                <a16:creationId xmlns:a16="http://schemas.microsoft.com/office/drawing/2014/main" id="{05829069-955B-192B-D6CB-D19607777A77}"/>
+                <a16:creationId xmlns:a16="http://schemas.microsoft.com/office/drawing/2014/main" id="{14DF7987-A986-1DB5-9DD1-8A9CCABF6ABA}"/>
               </a:ext>
             </a:extLst>
           </p:cNvPr>
@@ -2715,7 +2715,7 @@
           <a:bodyPr/>
           <a:lstStyle/>
           <a:p>
-            <a:fld id="{4361EE80-5816-4114-BA1D-FE7B93CFC46A}" type="slidenum">
+            <a:fld id="{F42298EC-D9C4-4AD5-B2F1-C4379D0BF28F}" type="slidenum">
               <a:rPr lang="zh-CN" altLang="en-US" smtClean="0"/>
               <a:t>‹#›</a:t>
             </a:fld>
@@ -2726,7 +2726,7 @@
     </p:spTree>
     <p:extLst>
       <p:ext uri="{BB962C8B-B14F-4D97-AF65-F5344CB8AC3E}">
-        <p14:creationId xmlns:p14="http://schemas.microsoft.com/office/powerpoint/2010/main" val="1514033747"/>
+        <p14:creationId xmlns:p14="http://schemas.microsoft.com/office/powerpoint/2010/main" val="2230742505"/>
       </p:ext>
     </p:extLst>
   </p:cSld>
@@ -2763,7 +2763,7 @@
           <p:cNvPr id="2" name="标题占位符 1">
             <a:extLst>
               <a:ext uri="{FF2B5EF4-FFF2-40B4-BE49-F238E27FC236}">
-                <a16:creationId xmlns:a16="http://schemas.microsoft.com/office/drawing/2014/main" id="{ED6E5B95-E33C-43C7-8E6A-DA0C8F0D017D}"/>
+                <a16:creationId xmlns:a16="http://schemas.microsoft.com/office/drawing/2014/main" id="{E4145772-36EC-888B-E6A2-D45A19ADD4AF}"/>
               </a:ext>
             </a:extLst>
           </p:cNvPr>
@@ -2801,7 +2801,7 @@
           <p:cNvPr id="3" name="文本占位符 2">
             <a:extLst>
               <a:ext uri="{FF2B5EF4-FFF2-40B4-BE49-F238E27FC236}">
-                <a16:creationId xmlns:a16="http://schemas.microsoft.com/office/drawing/2014/main" id="{3500C299-D6A3-C436-4AE6-2F5AED44F1A9}"/>
+                <a16:creationId xmlns:a16="http://schemas.microsoft.com/office/drawing/2014/main" id="{B675C4AB-6283-8267-558F-D49CD94A16B3}"/>
               </a:ext>
             </a:extLst>
           </p:cNvPr>
@@ -2868,7 +2868,7 @@
           <p:cNvPr id="4" name="日期占位符 3">
             <a:extLst>
               <a:ext uri="{FF2B5EF4-FFF2-40B4-BE49-F238E27FC236}">
-                <a16:creationId xmlns:a16="http://schemas.microsoft.com/office/drawing/2014/main" id="{39008FF8-B4E9-9914-1BF8-7988583FD427}"/>
+                <a16:creationId xmlns:a16="http://schemas.microsoft.com/office/drawing/2014/main" id="{C8B835F6-35BB-0816-B2CA-B4BB5BD8C4AA}"/>
               </a:ext>
             </a:extLst>
           </p:cNvPr>
@@ -2902,7 +2902,7 @@
             </a:lvl1pPr>
           </a:lstStyle>
           <a:p>
-            <a:fld id="{F64EE766-A75C-4190-BAC6-119F0F971599}" type="datetimeFigureOut">
+            <a:fld id="{F6EED51B-AD9F-4F73-B9F2-E1ABF9661A00}" type="datetimeFigureOut">
               <a:rPr lang="zh-CN" altLang="en-US" smtClean="0"/>
               <a:t>2024/3/10</a:t>
             </a:fld>
@@ -2915,7 +2915,7 @@
           <p:cNvPr id="5" name="页脚占位符 4">
             <a:extLst>
               <a:ext uri="{FF2B5EF4-FFF2-40B4-BE49-F238E27FC236}">
-                <a16:creationId xmlns:a16="http://schemas.microsoft.com/office/drawing/2014/main" id="{974AD99E-A46E-BBFF-EE7E-A598145B3F3F}"/>
+                <a16:creationId xmlns:a16="http://schemas.microsoft.com/office/drawing/2014/main" id="{58BA0093-C116-5A86-AE22-062310DA63EC}"/>
               </a:ext>
             </a:extLst>
           </p:cNvPr>
@@ -2958,7 +2958,7 @@
           <p:cNvPr id="6" name="灯片编号占位符 5">
             <a:extLst>
               <a:ext uri="{FF2B5EF4-FFF2-40B4-BE49-F238E27FC236}">
-                <a16:creationId xmlns:a16="http://schemas.microsoft.com/office/drawing/2014/main" id="{B0D173E0-46DA-0A47-388E-E05C64499350}"/>
+                <a16:creationId xmlns:a16="http://schemas.microsoft.com/office/drawing/2014/main" id="{0BCA4F07-3F34-ABE3-F8B3-D9A58651255E}"/>
               </a:ext>
             </a:extLst>
           </p:cNvPr>
@@ -2992,7 +2992,7 @@
             </a:lvl1pPr>
           </a:lstStyle>
           <a:p>
-            <a:fld id="{4361EE80-5816-4114-BA1D-FE7B93CFC46A}" type="slidenum">
+            <a:fld id="{F42298EC-D9C4-4AD5-B2F1-C4379D0BF28F}" type="slidenum">
               <a:rPr lang="zh-CN" altLang="en-US" smtClean="0"/>
               <a:t>‹#›</a:t>
             </a:fld>
@@ -3003,7 +3003,7 @@
     </p:spTree>
     <p:extLst>
       <p:ext uri="{BB962C8B-B14F-4D97-AF65-F5344CB8AC3E}">
-        <p14:creationId xmlns:p14="http://schemas.microsoft.com/office/powerpoint/2010/main" val="1917945105"/>
+        <p14:creationId xmlns:p14="http://schemas.microsoft.com/office/powerpoint/2010/main" val="902892442"/>
       </p:ext>
     </p:extLst>
   </p:cSld>
@@ -3323,7 +3323,7 @@
       </p:grpSpPr>
       <p:pic>
         <p:nvPicPr>
-          <p:cNvPr id="1489922" name="Picture 2" descr="1454"/>
+          <p:cNvPr id="1490946" name="Picture 2" descr="1455"/>
           <p:cNvPicPr>
             <a:picLocks noChangeAspect="1" noChangeArrowheads="1"/>
           </p:cNvPicPr>
@@ -3345,7 +3345,7 @@
         <p:spPr bwMode="auto">
           <a:xfrm>
             <a:off x="1524000" y="1"/>
-            <a:ext cx="9144000" cy="5661025"/>
+            <a:ext cx="9144000" cy="5516563"/>
           </a:xfrm>
           <a:prstGeom prst="rect">
             <a:avLst/>
